--- a/docs/files/ggtexttable-theme.pptx
+++ b/docs/files/ggtexttable-theme.pptx
@@ -288,7 +288,7 @@
           <a:p>
             <a:fld id="{FC3F4C24-0A3A-9149-B6ED-3E54A691702F}" type="datetimeFigureOut">
               <a:rPr lang="fr-FR" smtClean="0"/>
-              <a:t>24/06/17</a:t>
+              <a:t>28/06/17</a:t>
             </a:fld>
             <a:endParaRPr lang="fr-FR"/>
           </a:p>
@@ -458,7 +458,7 @@
           <a:p>
             <a:fld id="{FC3F4C24-0A3A-9149-B6ED-3E54A691702F}" type="datetimeFigureOut">
               <a:rPr lang="fr-FR" smtClean="0"/>
-              <a:t>24/06/17</a:t>
+              <a:t>28/06/17</a:t>
             </a:fld>
             <a:endParaRPr lang="fr-FR"/>
           </a:p>
@@ -638,7 +638,7 @@
           <a:p>
             <a:fld id="{FC3F4C24-0A3A-9149-B6ED-3E54A691702F}" type="datetimeFigureOut">
               <a:rPr lang="fr-FR" smtClean="0"/>
-              <a:t>24/06/17</a:t>
+              <a:t>28/06/17</a:t>
             </a:fld>
             <a:endParaRPr lang="fr-FR"/>
           </a:p>
@@ -808,7 +808,7 @@
           <a:p>
             <a:fld id="{FC3F4C24-0A3A-9149-B6ED-3E54A691702F}" type="datetimeFigureOut">
               <a:rPr lang="fr-FR" smtClean="0"/>
-              <a:t>24/06/17</a:t>
+              <a:t>28/06/17</a:t>
             </a:fld>
             <a:endParaRPr lang="fr-FR"/>
           </a:p>
@@ -1054,7 +1054,7 @@
           <a:p>
             <a:fld id="{FC3F4C24-0A3A-9149-B6ED-3E54A691702F}" type="datetimeFigureOut">
               <a:rPr lang="fr-FR" smtClean="0"/>
-              <a:t>24/06/17</a:t>
+              <a:t>28/06/17</a:t>
             </a:fld>
             <a:endParaRPr lang="fr-FR"/>
           </a:p>
@@ -1342,7 +1342,7 @@
           <a:p>
             <a:fld id="{FC3F4C24-0A3A-9149-B6ED-3E54A691702F}" type="datetimeFigureOut">
               <a:rPr lang="fr-FR" smtClean="0"/>
-              <a:t>24/06/17</a:t>
+              <a:t>28/06/17</a:t>
             </a:fld>
             <a:endParaRPr lang="fr-FR"/>
           </a:p>
@@ -1764,7 +1764,7 @@
           <a:p>
             <a:fld id="{FC3F4C24-0A3A-9149-B6ED-3E54A691702F}" type="datetimeFigureOut">
               <a:rPr lang="fr-FR" smtClean="0"/>
-              <a:t>24/06/17</a:t>
+              <a:t>28/06/17</a:t>
             </a:fld>
             <a:endParaRPr lang="fr-FR"/>
           </a:p>
@@ -1882,7 +1882,7 @@
           <a:p>
             <a:fld id="{FC3F4C24-0A3A-9149-B6ED-3E54A691702F}" type="datetimeFigureOut">
               <a:rPr lang="fr-FR" smtClean="0"/>
-              <a:t>24/06/17</a:t>
+              <a:t>28/06/17</a:t>
             </a:fld>
             <a:endParaRPr lang="fr-FR"/>
           </a:p>
@@ -1977,7 +1977,7 @@
           <a:p>
             <a:fld id="{FC3F4C24-0A3A-9149-B6ED-3E54A691702F}" type="datetimeFigureOut">
               <a:rPr lang="fr-FR" smtClean="0"/>
-              <a:t>24/06/17</a:t>
+              <a:t>28/06/17</a:t>
             </a:fld>
             <a:endParaRPr lang="fr-FR"/>
           </a:p>
@@ -2254,7 +2254,7 @@
           <a:p>
             <a:fld id="{FC3F4C24-0A3A-9149-B6ED-3E54A691702F}" type="datetimeFigureOut">
               <a:rPr lang="fr-FR" smtClean="0"/>
-              <a:t>24/06/17</a:t>
+              <a:t>28/06/17</a:t>
             </a:fld>
             <a:endParaRPr lang="fr-FR"/>
           </a:p>
@@ -2507,7 +2507,7 @@
           <a:p>
             <a:fld id="{FC3F4C24-0A3A-9149-B6ED-3E54A691702F}" type="datetimeFigureOut">
               <a:rPr lang="fr-FR" smtClean="0"/>
-              <a:t>24/06/17</a:t>
+              <a:t>28/06/17</a:t>
             </a:fld>
             <a:endParaRPr lang="fr-FR"/>
           </a:p>
@@ -2720,7 +2720,7 @@
           <a:p>
             <a:fld id="{FC3F4C24-0A3A-9149-B6ED-3E54A691702F}" type="datetimeFigureOut">
               <a:rPr lang="fr-FR" smtClean="0"/>
-              <a:t>24/06/17</a:t>
+              <a:t>28/06/17</a:t>
             </a:fld>
             <a:endParaRPr lang="fr-FR"/>
           </a:p>
@@ -3104,7 +3104,7 @@
           <p:nvPr>
             <p:extLst>
               <p:ext uri="{D42A27DB-BD31-4B8C-83A1-F6EECF244321}">
-                <p14:modId xmlns:p14="http://schemas.microsoft.com/office/powerpoint/2010/main" val="4176204625"/>
+                <p14:modId xmlns:p14="http://schemas.microsoft.com/office/powerpoint/2010/main" val="2116455855"/>
               </p:ext>
             </p:extLst>
           </p:nvPr>
@@ -8756,16 +8756,13 @@
                     <a:lstStyle/>
                     <a:p>
                       <a:pPr algn="r" fontAlgn="b"/>
-                      <a:r>
-                        <a:rPr lang="fr-FR" sz="1200" b="0" i="0" u="none" strike="noStrike">
-                          <a:solidFill>
-                            <a:srgbClr val="000000"/>
-                          </a:solidFill>
-                          <a:effectLst/>
-                          <a:latin typeface="Calibri"/>
-                        </a:rPr>
-                        <a:t>1</a:t>
-                      </a:r>
+                      <a:endParaRPr lang="fr-FR" sz="1200" b="0" i="0" u="none" strike="noStrike" dirty="0">
+                        <a:solidFill>
+                          <a:srgbClr val="000000"/>
+                        </a:solidFill>
+                        <a:effectLst/>
+                        <a:latin typeface="Calibri"/>
+                      </a:endParaRPr>
                     </a:p>
                   </a:txBody>
                   <a:tcPr marL="12700" marR="12700" marT="12700" marB="0" anchor="b">
@@ -8807,16 +8804,13 @@
                     <a:lstStyle/>
                     <a:p>
                       <a:pPr algn="r" fontAlgn="b"/>
-                      <a:r>
-                        <a:rPr lang="is-IS" sz="1200" b="0" i="0" u="none" strike="noStrike">
-                          <a:solidFill>
-                            <a:srgbClr val="000000"/>
-                          </a:solidFill>
-                          <a:effectLst/>
-                          <a:latin typeface="Calibri"/>
-                        </a:rPr>
-                        <a:t>2</a:t>
-                      </a:r>
+                      <a:endParaRPr lang="is-IS" sz="1200" b="0" i="0" u="none" strike="noStrike" dirty="0">
+                        <a:solidFill>
+                          <a:srgbClr val="000000"/>
+                        </a:solidFill>
+                        <a:effectLst/>
+                        <a:latin typeface="Calibri"/>
+                      </a:endParaRPr>
                     </a:p>
                   </a:txBody>
                   <a:tcPr marL="12700" marR="12700" marT="12700" marB="0" anchor="b">
@@ -8900,16 +8894,13 @@
                     <a:lstStyle/>
                     <a:p>
                       <a:pPr algn="r" fontAlgn="b"/>
-                      <a:r>
-                        <a:rPr lang="fr-FR" sz="1200" b="0" i="0" u="none" strike="noStrike">
-                          <a:solidFill>
-                            <a:srgbClr val="000000"/>
-                          </a:solidFill>
-                          <a:effectLst/>
-                          <a:latin typeface="Calibri"/>
-                        </a:rPr>
-                        <a:t>3</a:t>
-                      </a:r>
+                      <a:endParaRPr lang="fr-FR" sz="1200" b="0" i="0" u="none" strike="noStrike" dirty="0">
+                        <a:solidFill>
+                          <a:srgbClr val="000000"/>
+                        </a:solidFill>
+                        <a:effectLst/>
+                        <a:latin typeface="Calibri"/>
+                      </a:endParaRPr>
                     </a:p>
                   </a:txBody>
                   <a:tcPr marL="12700" marR="12700" marT="12700" marB="0" anchor="b">
@@ -10279,16 +10270,13 @@
                     <a:lstStyle/>
                     <a:p>
                       <a:pPr algn="r" fontAlgn="b"/>
-                      <a:r>
-                        <a:rPr lang="fr-FR" sz="1200" b="0" i="0" u="none" strike="noStrike">
-                          <a:solidFill>
-                            <a:srgbClr val="000000"/>
-                          </a:solidFill>
-                          <a:effectLst/>
-                          <a:latin typeface="Calibri"/>
-                        </a:rPr>
-                        <a:t>4</a:t>
-                      </a:r>
+                      <a:endParaRPr lang="fr-FR" sz="1200" b="0" i="0" u="none" strike="noStrike" dirty="0">
+                        <a:solidFill>
+                          <a:srgbClr val="000000"/>
+                        </a:solidFill>
+                        <a:effectLst/>
+                        <a:latin typeface="Calibri"/>
+                      </a:endParaRPr>
                     </a:p>
                   </a:txBody>
                   <a:tcPr marL="12700" marR="12700" marT="12700" marB="0" anchor="b">
@@ -10330,16 +10318,13 @@
                     <a:lstStyle/>
                     <a:p>
                       <a:pPr algn="r" fontAlgn="b"/>
-                      <a:r>
-                        <a:rPr lang="fr-FR" sz="1200" b="0" i="0" u="none" strike="noStrike">
-                          <a:solidFill>
-                            <a:srgbClr val="000000"/>
-                          </a:solidFill>
-                          <a:effectLst/>
-                          <a:latin typeface="Calibri"/>
-                        </a:rPr>
-                        <a:t>3</a:t>
-                      </a:r>
+                      <a:endParaRPr lang="fr-FR" sz="1200" b="0" i="0" u="none" strike="noStrike" dirty="0">
+                        <a:solidFill>
+                          <a:srgbClr val="000000"/>
+                        </a:solidFill>
+                        <a:effectLst/>
+                        <a:latin typeface="Calibri"/>
+                      </a:endParaRPr>
                     </a:p>
                   </a:txBody>
                   <a:tcPr marL="12700" marR="12700" marT="12700" marB="0" anchor="b">
